--- a/ezrawong/wireframe_2.pptx
+++ b/ezrawong/wireframe_2.pptx
@@ -128,12 +128,12 @@
   <pc:docChgLst>
     <pc:chgData name="TY Wong" userId="0b9eebbcdef70a81" providerId="LiveId" clId="{E8E06D0B-C903-45B4-B07E-DF7E8598AF1A}"/>
     <pc:docChg chg="undo custSel modSld">
-      <pc:chgData name="TY Wong" userId="0b9eebbcdef70a81" providerId="LiveId" clId="{E8E06D0B-C903-45B4-B07E-DF7E8598AF1A}" dt="2023-06-14T15:36:09.894" v="251" actId="20577"/>
+      <pc:chgData name="TY Wong" userId="0b9eebbcdef70a81" providerId="LiveId" clId="{E8E06D0B-C903-45B4-B07E-DF7E8598AF1A}" dt="2023-06-17T02:30:48.075" v="266" actId="14100"/>
       <pc:docMkLst>
         <pc:docMk/>
       </pc:docMkLst>
       <pc:sldChg chg="addSp delSp modSp mod">
-        <pc:chgData name="TY Wong" userId="0b9eebbcdef70a81" providerId="LiveId" clId="{E8E06D0B-C903-45B4-B07E-DF7E8598AF1A}" dt="2023-06-14T15:36:09.894" v="251" actId="20577"/>
+        <pc:chgData name="TY Wong" userId="0b9eebbcdef70a81" providerId="LiveId" clId="{E8E06D0B-C903-45B4-B07E-DF7E8598AF1A}" dt="2023-06-17T02:30:48.075" v="266" actId="14100"/>
         <pc:sldMkLst>
           <pc:docMk/>
           <pc:sldMk cId="1354110559" sldId="256"/>
@@ -171,7 +171,7 @@
           </ac:spMkLst>
         </pc:spChg>
         <pc:spChg chg="mod">
-          <ac:chgData name="TY Wong" userId="0b9eebbcdef70a81" providerId="LiveId" clId="{E8E06D0B-C903-45B4-B07E-DF7E8598AF1A}" dt="2023-06-14T14:08:37.900" v="129" actId="1076"/>
+          <ac:chgData name="TY Wong" userId="0b9eebbcdef70a81" providerId="LiveId" clId="{E8E06D0B-C903-45B4-B07E-DF7E8598AF1A}" dt="2023-06-17T02:30:48.075" v="266" actId="14100"/>
           <ac:spMkLst>
             <pc:docMk/>
             <pc:sldMk cId="1354110559" sldId="256"/>
@@ -203,7 +203,7 @@
           </ac:spMkLst>
         </pc:spChg>
         <pc:spChg chg="mod">
-          <ac:chgData name="TY Wong" userId="0b9eebbcdef70a81" providerId="LiveId" clId="{E8E06D0B-C903-45B4-B07E-DF7E8598AF1A}" dt="2023-06-14T13:52:37.837" v="30" actId="20577"/>
+          <ac:chgData name="TY Wong" userId="0b9eebbcdef70a81" providerId="LiveId" clId="{E8E06D0B-C903-45B4-B07E-DF7E8598AF1A}" dt="2023-06-17T02:29:10.011" v="258" actId="14100"/>
           <ac:spMkLst>
             <pc:docMk/>
             <pc:sldMk cId="1354110559" sldId="256"/>
@@ -211,7 +211,7 @@
           </ac:spMkLst>
         </pc:spChg>
         <pc:spChg chg="mod">
-          <ac:chgData name="TY Wong" userId="0b9eebbcdef70a81" providerId="LiveId" clId="{E8E06D0B-C903-45B4-B07E-DF7E8598AF1A}" dt="2023-06-14T15:24:21.350" v="157" actId="14100"/>
+          <ac:chgData name="TY Wong" userId="0b9eebbcdef70a81" providerId="LiveId" clId="{E8E06D0B-C903-45B4-B07E-DF7E8598AF1A}" dt="2023-06-17T02:30:35.332" v="264" actId="14100"/>
           <ac:spMkLst>
             <pc:docMk/>
             <pc:sldMk cId="1354110559" sldId="256"/>
@@ -219,7 +219,7 @@
           </ac:spMkLst>
         </pc:spChg>
         <pc:spChg chg="mod">
-          <ac:chgData name="TY Wong" userId="0b9eebbcdef70a81" providerId="LiveId" clId="{E8E06D0B-C903-45B4-B07E-DF7E8598AF1A}" dt="2023-06-14T13:50:22.700" v="11" actId="20577"/>
+          <ac:chgData name="TY Wong" userId="0b9eebbcdef70a81" providerId="LiveId" clId="{E8E06D0B-C903-45B4-B07E-DF7E8598AF1A}" dt="2023-06-17T02:29:56.136" v="261" actId="20577"/>
           <ac:spMkLst>
             <pc:docMk/>
             <pc:sldMk cId="1354110559" sldId="256"/>
@@ -291,7 +291,7 @@
           </ac:picMkLst>
         </pc:picChg>
         <pc:picChg chg="mod">
-          <ac:chgData name="TY Wong" userId="0b9eebbcdef70a81" providerId="LiveId" clId="{E8E06D0B-C903-45B4-B07E-DF7E8598AF1A}" dt="2023-06-14T14:08:30.904" v="128" actId="1076"/>
+          <ac:chgData name="TY Wong" userId="0b9eebbcdef70a81" providerId="LiveId" clId="{E8E06D0B-C903-45B4-B07E-DF7E8598AF1A}" dt="2023-06-17T02:28:09.351" v="256" actId="14100"/>
           <ac:picMkLst>
             <pc:docMk/>
             <pc:sldMk cId="1354110559" sldId="256"/>
@@ -458,7 +458,7 @@
           <a:p>
             <a:fld id="{44CCFB8E-D1C6-4449-B50E-636979C979E4}" type="datetimeFigureOut">
               <a:rPr lang="en-HK" smtClean="0"/>
-              <a:t>14/6/2023</a:t>
+              <a:t>17/6/2023</a:t>
             </a:fld>
             <a:endParaRPr lang="en-HK"/>
           </a:p>
@@ -857,7 +857,7 @@
           <a:p>
             <a:fld id="{D589849A-37D9-473D-AD5D-C28BC06494D3}" type="datetimeFigureOut">
               <a:rPr lang="en-HK" smtClean="0"/>
-              <a:t>14/6/2023</a:t>
+              <a:t>17/6/2023</a:t>
             </a:fld>
             <a:endParaRPr lang="en-HK"/>
           </a:p>
@@ -1027,7 +1027,7 @@
           <a:p>
             <a:fld id="{D589849A-37D9-473D-AD5D-C28BC06494D3}" type="datetimeFigureOut">
               <a:rPr lang="en-HK" smtClean="0"/>
-              <a:t>14/6/2023</a:t>
+              <a:t>17/6/2023</a:t>
             </a:fld>
             <a:endParaRPr lang="en-HK"/>
           </a:p>
@@ -1207,7 +1207,7 @@
           <a:p>
             <a:fld id="{D589849A-37D9-473D-AD5D-C28BC06494D3}" type="datetimeFigureOut">
               <a:rPr lang="en-HK" smtClean="0"/>
-              <a:t>14/6/2023</a:t>
+              <a:t>17/6/2023</a:t>
             </a:fld>
             <a:endParaRPr lang="en-HK"/>
           </a:p>
@@ -1377,7 +1377,7 @@
           <a:p>
             <a:fld id="{D589849A-37D9-473D-AD5D-C28BC06494D3}" type="datetimeFigureOut">
               <a:rPr lang="en-HK" smtClean="0"/>
-              <a:t>14/6/2023</a:t>
+              <a:t>17/6/2023</a:t>
             </a:fld>
             <a:endParaRPr lang="en-HK"/>
           </a:p>
@@ -1621,7 +1621,7 @@
           <a:p>
             <a:fld id="{D589849A-37D9-473D-AD5D-C28BC06494D3}" type="datetimeFigureOut">
               <a:rPr lang="en-HK" smtClean="0"/>
-              <a:t>14/6/2023</a:t>
+              <a:t>17/6/2023</a:t>
             </a:fld>
             <a:endParaRPr lang="en-HK"/>
           </a:p>
@@ -1853,7 +1853,7 @@
           <a:p>
             <a:fld id="{D589849A-37D9-473D-AD5D-C28BC06494D3}" type="datetimeFigureOut">
               <a:rPr lang="en-HK" smtClean="0"/>
-              <a:t>14/6/2023</a:t>
+              <a:t>17/6/2023</a:t>
             </a:fld>
             <a:endParaRPr lang="en-HK"/>
           </a:p>
@@ -2220,7 +2220,7 @@
           <a:p>
             <a:fld id="{D589849A-37D9-473D-AD5D-C28BC06494D3}" type="datetimeFigureOut">
               <a:rPr lang="en-HK" smtClean="0"/>
-              <a:t>14/6/2023</a:t>
+              <a:t>17/6/2023</a:t>
             </a:fld>
             <a:endParaRPr lang="en-HK"/>
           </a:p>
@@ -2338,7 +2338,7 @@
           <a:p>
             <a:fld id="{D589849A-37D9-473D-AD5D-C28BC06494D3}" type="datetimeFigureOut">
               <a:rPr lang="en-HK" smtClean="0"/>
-              <a:t>14/6/2023</a:t>
+              <a:t>17/6/2023</a:t>
             </a:fld>
             <a:endParaRPr lang="en-HK"/>
           </a:p>
@@ -2433,7 +2433,7 @@
           <a:p>
             <a:fld id="{D589849A-37D9-473D-AD5D-C28BC06494D3}" type="datetimeFigureOut">
               <a:rPr lang="en-HK" smtClean="0"/>
-              <a:t>14/6/2023</a:t>
+              <a:t>17/6/2023</a:t>
             </a:fld>
             <a:endParaRPr lang="en-HK"/>
           </a:p>
@@ -2710,7 +2710,7 @@
           <a:p>
             <a:fld id="{D589849A-37D9-473D-AD5D-C28BC06494D3}" type="datetimeFigureOut">
               <a:rPr lang="en-HK" smtClean="0"/>
-              <a:t>14/6/2023</a:t>
+              <a:t>17/6/2023</a:t>
             </a:fld>
             <a:endParaRPr lang="en-HK"/>
           </a:p>
@@ -2967,7 +2967,7 @@
           <a:p>
             <a:fld id="{D589849A-37D9-473D-AD5D-C28BC06494D3}" type="datetimeFigureOut">
               <a:rPr lang="en-HK" smtClean="0"/>
-              <a:t>14/6/2023</a:t>
+              <a:t>17/6/2023</a:t>
             </a:fld>
             <a:endParaRPr lang="en-HK"/>
           </a:p>
@@ -3180,7 +3180,7 @@
           <a:p>
             <a:fld id="{D589849A-37D9-473D-AD5D-C28BC06494D3}" type="datetimeFigureOut">
               <a:rPr lang="en-HK" smtClean="0"/>
-              <a:t>14/6/2023</a:t>
+              <a:t>17/6/2023</a:t>
             </a:fld>
             <a:endParaRPr lang="en-HK"/>
           </a:p>
@@ -3635,8 +3635,8 @@
         </p:nvSpPr>
         <p:spPr>
           <a:xfrm>
-            <a:off x="401053" y="-32677"/>
-            <a:ext cx="6339048" cy="1451501"/>
+            <a:off x="401053" y="175607"/>
+            <a:ext cx="6339048" cy="1275191"/>
           </a:xfrm>
           <a:prstGeom prst="rect">
             <a:avLst/>
@@ -3682,8 +3682,8 @@
         </p:nvSpPr>
         <p:spPr>
           <a:xfrm>
-            <a:off x="35198" y="11293642"/>
-            <a:ext cx="6822802" cy="878674"/>
+            <a:off x="112294" y="11293642"/>
+            <a:ext cx="6670399" cy="786766"/>
           </a:xfrm>
           <a:prstGeom prst="rect">
             <a:avLst/>
@@ -3730,7 +3730,7 @@
         <p:spPr>
           <a:xfrm>
             <a:off x="1729868" y="1507978"/>
-            <a:ext cx="2636010" cy="400110"/>
+            <a:ext cx="2777964" cy="677108"/>
           </a:xfrm>
           <a:prstGeom prst="rect">
             <a:avLst/>
@@ -3748,6 +3748,9 @@
               <a:rPr lang="en-US" dirty="0"/>
               <a:t>           </a:t>
             </a:r>
+          </a:p>
+          <a:p>
+            <a:pPr algn="ctr"/>
             <a:r>
               <a:rPr lang="en-US" sz="2000" dirty="0"/>
               <a:t>Kindergarten</a:t>
@@ -3784,8 +3787,8 @@
         </p:blipFill>
         <p:spPr>
           <a:xfrm>
-            <a:off x="35197" y="-9816"/>
-            <a:ext cx="1909014" cy="1451501"/>
+            <a:off x="401052" y="339509"/>
+            <a:ext cx="1791115" cy="1168469"/>
           </a:xfrm>
           <a:prstGeom prst="rect">
             <a:avLst/>
@@ -3847,8 +3850,8 @@
         </p:nvSpPr>
         <p:spPr>
           <a:xfrm>
-            <a:off x="603806" y="2110309"/>
-            <a:ext cx="5826090" cy="1477328"/>
+            <a:off x="392451" y="2245895"/>
+            <a:ext cx="6339048" cy="1477328"/>
           </a:xfrm>
           <a:prstGeom prst="rect">
             <a:avLst/>
